--- a/public/js/tasks/horizon/media/horizonInstructions.pptx
+++ b/public/js/tasks/horizon/media/horizonInstructions.pptx
@@ -229,7 +229,7 @@
           <a:p>
             <a:fld id="{5ACDFB13-8C7E-2148-B293-047F9641DD71}" type="datetimeFigureOut">
               <a:rPr lang="en-US" smtClean="0"/>
-              <a:t>7/17/20</a:t>
+              <a:t>7/20/20</a:t>
             </a:fld>
             <a:endParaRPr lang="en-US" dirty="0"/>
           </a:p>
@@ -2809,7 +2809,7 @@
           <a:p>
             <a:fld id="{E69A4D3A-6EF8-7448-AC6F-AD52FEDAA6A8}" type="datetimeFigureOut">
               <a:rPr lang="en-US" smtClean="0"/>
-              <a:t>7/17/20</a:t>
+              <a:t>7/20/20</a:t>
             </a:fld>
             <a:endParaRPr lang="en-US" dirty="0"/>
           </a:p>
@@ -2977,7 +2977,7 @@
           <a:p>
             <a:fld id="{E69A4D3A-6EF8-7448-AC6F-AD52FEDAA6A8}" type="datetimeFigureOut">
               <a:rPr lang="en-US" smtClean="0"/>
-              <a:t>7/17/20</a:t>
+              <a:t>7/20/20</a:t>
             </a:fld>
             <a:endParaRPr lang="en-US" dirty="0"/>
           </a:p>
@@ -3155,7 +3155,7 @@
           <a:p>
             <a:fld id="{E69A4D3A-6EF8-7448-AC6F-AD52FEDAA6A8}" type="datetimeFigureOut">
               <a:rPr lang="en-US" smtClean="0"/>
-              <a:t>7/17/20</a:t>
+              <a:t>7/20/20</a:t>
             </a:fld>
             <a:endParaRPr lang="en-US" dirty="0"/>
           </a:p>
@@ -3323,7 +3323,7 @@
           <a:p>
             <a:fld id="{E69A4D3A-6EF8-7448-AC6F-AD52FEDAA6A8}" type="datetimeFigureOut">
               <a:rPr lang="en-US" smtClean="0"/>
-              <a:t>7/17/20</a:t>
+              <a:t>7/20/20</a:t>
             </a:fld>
             <a:endParaRPr lang="en-US" dirty="0"/>
           </a:p>
@@ -3568,7 +3568,7 @@
           <a:p>
             <a:fld id="{E69A4D3A-6EF8-7448-AC6F-AD52FEDAA6A8}" type="datetimeFigureOut">
               <a:rPr lang="en-US" smtClean="0"/>
-              <a:t>7/17/20</a:t>
+              <a:t>7/20/20</a:t>
             </a:fld>
             <a:endParaRPr lang="en-US" dirty="0"/>
           </a:p>
@@ -3853,7 +3853,7 @@
           <a:p>
             <a:fld id="{E69A4D3A-6EF8-7448-AC6F-AD52FEDAA6A8}" type="datetimeFigureOut">
               <a:rPr lang="en-US" smtClean="0"/>
-              <a:t>7/17/20</a:t>
+              <a:t>7/20/20</a:t>
             </a:fld>
             <a:endParaRPr lang="en-US" dirty="0"/>
           </a:p>
@@ -4272,7 +4272,7 @@
           <a:p>
             <a:fld id="{E69A4D3A-6EF8-7448-AC6F-AD52FEDAA6A8}" type="datetimeFigureOut">
               <a:rPr lang="en-US" smtClean="0"/>
-              <a:t>7/17/20</a:t>
+              <a:t>7/20/20</a:t>
             </a:fld>
             <a:endParaRPr lang="en-US" dirty="0"/>
           </a:p>
@@ -4389,7 +4389,7 @@
           <a:p>
             <a:fld id="{E69A4D3A-6EF8-7448-AC6F-AD52FEDAA6A8}" type="datetimeFigureOut">
               <a:rPr lang="en-US" smtClean="0"/>
-              <a:t>7/17/20</a:t>
+              <a:t>7/20/20</a:t>
             </a:fld>
             <a:endParaRPr lang="en-US" dirty="0"/>
           </a:p>
@@ -4484,7 +4484,7 @@
           <a:p>
             <a:fld id="{E69A4D3A-6EF8-7448-AC6F-AD52FEDAA6A8}" type="datetimeFigureOut">
               <a:rPr lang="en-US" smtClean="0"/>
-              <a:t>7/17/20</a:t>
+              <a:t>7/20/20</a:t>
             </a:fld>
             <a:endParaRPr lang="en-US" dirty="0"/>
           </a:p>
@@ -4759,7 +4759,7 @@
           <a:p>
             <a:fld id="{E69A4D3A-6EF8-7448-AC6F-AD52FEDAA6A8}" type="datetimeFigureOut">
               <a:rPr lang="en-US" smtClean="0"/>
-              <a:t>7/17/20</a:t>
+              <a:t>7/20/20</a:t>
             </a:fld>
             <a:endParaRPr lang="en-US" dirty="0"/>
           </a:p>
@@ -5014,7 +5014,7 @@
           <a:p>
             <a:fld id="{E69A4D3A-6EF8-7448-AC6F-AD52FEDAA6A8}" type="datetimeFigureOut">
               <a:rPr lang="en-US" smtClean="0"/>
-              <a:t>7/17/20</a:t>
+              <a:t>7/20/20</a:t>
             </a:fld>
             <a:endParaRPr lang="en-US" dirty="0"/>
           </a:p>
@@ -5228,7 +5228,7 @@
           <a:p>
             <a:fld id="{E69A4D3A-6EF8-7448-AC6F-AD52FEDAA6A8}" type="datetimeFigureOut">
               <a:rPr lang="en-US" smtClean="0"/>
-              <a:t>7/17/20</a:t>
+              <a:t>7/20/20</a:t>
             </a:fld>
             <a:endParaRPr lang="en-US" dirty="0"/>
           </a:p>
@@ -6408,7 +6408,7 @@
         </p:nvSpPr>
         <p:spPr>
           <a:xfrm>
-            <a:off x="5295754" y="2851028"/>
+            <a:off x="5295754" y="3191991"/>
             <a:ext cx="619346" cy="461665"/>
           </a:xfrm>
           <a:prstGeom prst="rect">
@@ -6443,7 +6443,7 @@
         </p:nvSpPr>
         <p:spPr>
           <a:xfrm>
-            <a:off x="6502401" y="2851028"/>
+            <a:off x="6502401" y="3191991"/>
             <a:ext cx="619346" cy="461665"/>
           </a:xfrm>
           <a:prstGeom prst="rect">
@@ -6478,7 +6478,7 @@
         </p:nvSpPr>
         <p:spPr>
           <a:xfrm>
-            <a:off x="6502401" y="3192907"/>
+            <a:off x="6502401" y="3533870"/>
             <a:ext cx="619346" cy="461665"/>
           </a:xfrm>
           <a:prstGeom prst="rect">
@@ -6513,7 +6513,7 @@
         </p:nvSpPr>
         <p:spPr>
           <a:xfrm>
-            <a:off x="5295754" y="3192907"/>
+            <a:off x="5295754" y="3533870"/>
             <a:ext cx="619346" cy="461665"/>
           </a:xfrm>
           <a:prstGeom prst="rect">
@@ -6548,7 +6548,7 @@
         </p:nvSpPr>
         <p:spPr>
           <a:xfrm>
-            <a:off x="6502401" y="3507026"/>
+            <a:off x="6502401" y="3847989"/>
             <a:ext cx="619346" cy="461665"/>
           </a:xfrm>
           <a:prstGeom prst="rect">
@@ -6583,7 +6583,7 @@
         </p:nvSpPr>
         <p:spPr>
           <a:xfrm>
-            <a:off x="5295754" y="3526064"/>
+            <a:off x="5295754" y="3867027"/>
             <a:ext cx="619346" cy="461665"/>
           </a:xfrm>
           <a:prstGeom prst="rect">
@@ -7053,7 +7053,7 @@
         </p:nvSpPr>
         <p:spPr>
           <a:xfrm>
-            <a:off x="5295754" y="2851028"/>
+            <a:off x="5295754" y="3160991"/>
             <a:ext cx="619346" cy="461665"/>
           </a:xfrm>
           <a:prstGeom prst="rect">
@@ -7088,7 +7088,7 @@
         </p:nvSpPr>
         <p:spPr>
           <a:xfrm>
-            <a:off x="6502401" y="2851028"/>
+            <a:off x="6502401" y="3160991"/>
             <a:ext cx="619346" cy="461665"/>
           </a:xfrm>
           <a:prstGeom prst="rect">
@@ -7123,7 +7123,7 @@
         </p:nvSpPr>
         <p:spPr>
           <a:xfrm>
-            <a:off x="6502401" y="3192907"/>
+            <a:off x="6502401" y="3502870"/>
             <a:ext cx="619346" cy="461665"/>
           </a:xfrm>
           <a:prstGeom prst="rect">
@@ -7158,7 +7158,7 @@
         </p:nvSpPr>
         <p:spPr>
           <a:xfrm>
-            <a:off x="5295754" y="3192907"/>
+            <a:off x="5295754" y="3502870"/>
             <a:ext cx="619346" cy="461665"/>
           </a:xfrm>
           <a:prstGeom prst="rect">
@@ -7193,7 +7193,7 @@
         </p:nvSpPr>
         <p:spPr>
           <a:xfrm>
-            <a:off x="6502401" y="3507026"/>
+            <a:off x="6502401" y="3816989"/>
             <a:ext cx="619346" cy="461665"/>
           </a:xfrm>
           <a:prstGeom prst="rect">
@@ -7228,7 +7228,7 @@
         </p:nvSpPr>
         <p:spPr>
           <a:xfrm>
-            <a:off x="5295754" y="3526064"/>
+            <a:off x="5295754" y="3836027"/>
             <a:ext cx="619346" cy="461665"/>
           </a:xfrm>
           <a:prstGeom prst="rect">
@@ -7263,7 +7263,7 @@
         </p:nvSpPr>
         <p:spPr>
           <a:xfrm>
-            <a:off x="6502401" y="3869342"/>
+            <a:off x="6502401" y="4179305"/>
             <a:ext cx="619346" cy="461665"/>
           </a:xfrm>
           <a:prstGeom prst="rect">
@@ -7298,7 +7298,7 @@
         </p:nvSpPr>
         <p:spPr>
           <a:xfrm>
-            <a:off x="6502401" y="4183461"/>
+            <a:off x="6502401" y="4493424"/>
             <a:ext cx="619346" cy="461665"/>
           </a:xfrm>
           <a:prstGeom prst="rect">
@@ -7333,7 +7333,7 @@
         </p:nvSpPr>
         <p:spPr>
           <a:xfrm>
-            <a:off x="5302032" y="3867943"/>
+            <a:off x="5302032" y="4177906"/>
             <a:ext cx="619346" cy="461665"/>
           </a:xfrm>
           <a:prstGeom prst="rect">
@@ -7368,7 +7368,7 @@
         </p:nvSpPr>
         <p:spPr>
           <a:xfrm>
-            <a:off x="5295754" y="4199093"/>
+            <a:off x="5295754" y="4509056"/>
             <a:ext cx="619346" cy="461665"/>
           </a:xfrm>
           <a:prstGeom prst="rect">
@@ -7457,7 +7457,7 @@
             </a:pPr>
             <a:r>
               <a:rPr lang="en-US" dirty="0"/>
-              <a:t>Both bandits will have the same kind of variability and this variability will stay constant throughout the experiment.</a:t>
+              <a:t>Both bandits will have the same kind of variability, and this variability will stay constant throughout the experiment.</a:t>
             </a:r>
           </a:p>
         </p:txBody>
@@ -7838,7 +7838,7 @@
         </p:nvSpPr>
         <p:spPr>
           <a:xfrm>
-            <a:off x="5295754" y="2851028"/>
+            <a:off x="5295754" y="3160994"/>
             <a:ext cx="619346" cy="461665"/>
           </a:xfrm>
           <a:prstGeom prst="rect">
@@ -7873,7 +7873,7 @@
         </p:nvSpPr>
         <p:spPr>
           <a:xfrm>
-            <a:off x="6502401" y="2851028"/>
+            <a:off x="6502401" y="3160994"/>
             <a:ext cx="619346" cy="461665"/>
           </a:xfrm>
           <a:prstGeom prst="rect">
@@ -7908,7 +7908,7 @@
         </p:nvSpPr>
         <p:spPr>
           <a:xfrm>
-            <a:off x="6502401" y="3192907"/>
+            <a:off x="6502401" y="3502873"/>
             <a:ext cx="619346" cy="461665"/>
           </a:xfrm>
           <a:prstGeom prst="rect">
@@ -7943,7 +7943,7 @@
         </p:nvSpPr>
         <p:spPr>
           <a:xfrm>
-            <a:off x="5295754" y="3192907"/>
+            <a:off x="5295754" y="3502873"/>
             <a:ext cx="619346" cy="461665"/>
           </a:xfrm>
           <a:prstGeom prst="rect">
@@ -7978,7 +7978,7 @@
         </p:nvSpPr>
         <p:spPr>
           <a:xfrm>
-            <a:off x="6502401" y="3507026"/>
+            <a:off x="6502401" y="3816992"/>
             <a:ext cx="619346" cy="461665"/>
           </a:xfrm>
           <a:prstGeom prst="rect">
@@ -8013,7 +8013,7 @@
         </p:nvSpPr>
         <p:spPr>
           <a:xfrm>
-            <a:off x="5295754" y="3526064"/>
+            <a:off x="5295754" y="3836030"/>
             <a:ext cx="619346" cy="461665"/>
           </a:xfrm>
           <a:prstGeom prst="rect">
@@ -8048,7 +8048,7 @@
         </p:nvSpPr>
         <p:spPr>
           <a:xfrm>
-            <a:off x="6502401" y="3869342"/>
+            <a:off x="6502401" y="4179308"/>
             <a:ext cx="619346" cy="461665"/>
           </a:xfrm>
           <a:prstGeom prst="rect">
@@ -8083,7 +8083,7 @@
         </p:nvSpPr>
         <p:spPr>
           <a:xfrm>
-            <a:off x="5302032" y="3867943"/>
+            <a:off x="5302032" y="4177909"/>
             <a:ext cx="619346" cy="461665"/>
           </a:xfrm>
           <a:prstGeom prst="rect">
@@ -8154,7 +8154,7 @@
         </p:nvSpPr>
         <p:spPr>
           <a:xfrm>
-            <a:off x="457200" y="473173"/>
+            <a:off x="457200" y="419383"/>
             <a:ext cx="11214100" cy="1662164"/>
           </a:xfrm>
           <a:ln>
@@ -8172,7 +8172,7 @@
             </a:pPr>
             <a:r>
               <a:rPr lang="en-US" dirty="0"/>
-              <a:t>During one game, one of the bandits will always have a higher average reward and hence is the better option to choose on average.</a:t>
+              <a:t>During each game, one of the bandits will always have a higher average reward and hence is the better option to choose on average. However, the same bandit will not always be best for all games.</a:t>
             </a:r>
           </a:p>
         </p:txBody>
@@ -8553,7 +8553,7 @@
         </p:nvSpPr>
         <p:spPr>
           <a:xfrm>
-            <a:off x="5295754" y="2851028"/>
+            <a:off x="5295754" y="3160993"/>
             <a:ext cx="619346" cy="461665"/>
           </a:xfrm>
           <a:prstGeom prst="rect">
@@ -8588,7 +8588,7 @@
         </p:nvSpPr>
         <p:spPr>
           <a:xfrm>
-            <a:off x="6502401" y="2851028"/>
+            <a:off x="6502401" y="3160993"/>
             <a:ext cx="619346" cy="461665"/>
           </a:xfrm>
           <a:prstGeom prst="rect">
@@ -8623,7 +8623,7 @@
         </p:nvSpPr>
         <p:spPr>
           <a:xfrm>
-            <a:off x="6502401" y="3192907"/>
+            <a:off x="6502401" y="3502872"/>
             <a:ext cx="619346" cy="461665"/>
           </a:xfrm>
           <a:prstGeom prst="rect">
@@ -8658,7 +8658,7 @@
         </p:nvSpPr>
         <p:spPr>
           <a:xfrm>
-            <a:off x="5295754" y="3192907"/>
+            <a:off x="5295754" y="3502872"/>
             <a:ext cx="619346" cy="461665"/>
           </a:xfrm>
           <a:prstGeom prst="rect">
@@ -8693,7 +8693,7 @@
         </p:nvSpPr>
         <p:spPr>
           <a:xfrm>
-            <a:off x="6502401" y="3507026"/>
+            <a:off x="6502401" y="3816991"/>
             <a:ext cx="619346" cy="461665"/>
           </a:xfrm>
           <a:prstGeom prst="rect">
@@ -8728,7 +8728,7 @@
         </p:nvSpPr>
         <p:spPr>
           <a:xfrm>
-            <a:off x="5295754" y="3526064"/>
+            <a:off x="5295754" y="3836029"/>
             <a:ext cx="619346" cy="461665"/>
           </a:xfrm>
           <a:prstGeom prst="rect">
@@ -8763,7 +8763,7 @@
         </p:nvSpPr>
         <p:spPr>
           <a:xfrm>
-            <a:off x="6502401" y="3869342"/>
+            <a:off x="6502401" y="4179307"/>
             <a:ext cx="619346" cy="461665"/>
           </a:xfrm>
           <a:prstGeom prst="rect">
@@ -8798,7 +8798,7 @@
         </p:nvSpPr>
         <p:spPr>
           <a:xfrm>
-            <a:off x="5302032" y="3867943"/>
+            <a:off x="5302032" y="4177908"/>
             <a:ext cx="619346" cy="461665"/>
           </a:xfrm>
           <a:prstGeom prst="rect">
@@ -8896,7 +8896,7 @@
             </a:pPr>
             <a:r>
               <a:rPr lang="en-US" dirty="0"/>
-              <a:t>Press the ”&lt;“ button to play the left bandit.</a:t>
+              <a:t>Press the LEFT BUTTON to play the left bandit.</a:t>
             </a:r>
           </a:p>
           <a:p>
@@ -8905,7 +8905,7 @@
             </a:pPr>
             <a:r>
               <a:rPr lang="en-US" dirty="0"/>
-              <a:t>Press the “&gt;” button to play the right bandit.</a:t>
+              <a:t>Press the RIGHT BUTTON to play the right bandit.</a:t>
             </a:r>
           </a:p>
         </p:txBody>
@@ -10239,7 +10239,7 @@
             </a:pPr>
             <a:r>
               <a:rPr lang="en-US" dirty="0"/>
-              <a:t>In addition, the first 4 choices in each game are instructed trials where we will choose an option for you. This will give you some experience with each option before you make your first choice.</a:t>
+              <a:t>In addition, the first 4 choices in each game are instructed trials where we will choose an option for you. This will give you some experience with each option before you make your first choice between the two bandits.</a:t>
             </a:r>
           </a:p>
         </p:txBody>
@@ -10778,7 +10778,7 @@
             </a:pPr>
             <a:r>
               <a:rPr lang="en-US" dirty="0"/>
-              <a:t>These instructed trials will be indicated by a green square inside the box we want you to open and you must press the button to choose this option in order to move on to see the reward and move on to the next trial. </a:t>
+              <a:t>These instructed trials will be indicated by a green square inside the box we want you to open. You must press the button to choose this option in order to see the reward and move on to the next trial. </a:t>
             </a:r>
           </a:p>
           <a:p>
@@ -11684,7 +11684,7 @@
         </p:nvSpPr>
         <p:spPr>
           <a:xfrm>
-            <a:off x="5244954" y="3998041"/>
+            <a:off x="5244954" y="4292506"/>
             <a:ext cx="619346" cy="461665"/>
           </a:xfrm>
           <a:prstGeom prst="rect">
@@ -11719,7 +11719,7 @@
         </p:nvSpPr>
         <p:spPr>
           <a:xfrm>
-            <a:off x="6451601" y="3998041"/>
+            <a:off x="6451601" y="4292506"/>
             <a:ext cx="619346" cy="461665"/>
           </a:xfrm>
           <a:prstGeom prst="rect">
@@ -11754,7 +11754,7 @@
         </p:nvSpPr>
         <p:spPr>
           <a:xfrm>
-            <a:off x="5262527" y="4340715"/>
+            <a:off x="5262527" y="4635180"/>
             <a:ext cx="619346" cy="461665"/>
           </a:xfrm>
           <a:prstGeom prst="rect">
@@ -11789,7 +11789,7 @@
         </p:nvSpPr>
         <p:spPr>
           <a:xfrm>
-            <a:off x="6469174" y="4340715"/>
+            <a:off x="6469174" y="4635180"/>
             <a:ext cx="619346" cy="461665"/>
           </a:xfrm>
           <a:prstGeom prst="rect">
@@ -12710,7 +12710,7 @@
         </p:nvSpPr>
         <p:spPr>
           <a:xfrm>
-            <a:off x="5244954" y="3998041"/>
+            <a:off x="5244954" y="4292509"/>
             <a:ext cx="619346" cy="461665"/>
           </a:xfrm>
           <a:prstGeom prst="rect">
@@ -12745,7 +12745,7 @@
         </p:nvSpPr>
         <p:spPr>
           <a:xfrm>
-            <a:off x="6451601" y="3998041"/>
+            <a:off x="6451601" y="4292509"/>
             <a:ext cx="619346" cy="461665"/>
           </a:xfrm>
           <a:prstGeom prst="rect">
@@ -12780,7 +12780,7 @@
         </p:nvSpPr>
         <p:spPr>
           <a:xfrm>
-            <a:off x="5262527" y="4340715"/>
+            <a:off x="5262527" y="4635183"/>
             <a:ext cx="619346" cy="461665"/>
           </a:xfrm>
           <a:prstGeom prst="rect">
@@ -12815,7 +12815,7 @@
         </p:nvSpPr>
         <p:spPr>
           <a:xfrm>
-            <a:off x="6469174" y="4340715"/>
+            <a:off x="6469174" y="4635183"/>
             <a:ext cx="619346" cy="461665"/>
           </a:xfrm>
           <a:prstGeom prst="rect">
@@ -12902,7 +12902,7 @@
         </p:nvSpPr>
         <p:spPr>
           <a:xfrm>
-            <a:off x="5262527" y="4654111"/>
+            <a:off x="5262527" y="4948579"/>
             <a:ext cx="619346" cy="461665"/>
           </a:xfrm>
           <a:prstGeom prst="rect">
@@ -12937,7 +12937,7 @@
         </p:nvSpPr>
         <p:spPr>
           <a:xfrm>
-            <a:off x="6469174" y="4654111"/>
+            <a:off x="6469174" y="4948579"/>
             <a:ext cx="619346" cy="461665"/>
           </a:xfrm>
           <a:prstGeom prst="rect">
@@ -12972,7 +12972,7 @@
         </p:nvSpPr>
         <p:spPr>
           <a:xfrm>
-            <a:off x="5262527" y="5010383"/>
+            <a:off x="5262527" y="5304851"/>
             <a:ext cx="619346" cy="461665"/>
           </a:xfrm>
           <a:prstGeom prst="rect">
@@ -13007,7 +13007,7 @@
         </p:nvSpPr>
         <p:spPr>
           <a:xfrm>
-            <a:off x="6469174" y="5010383"/>
+            <a:off x="6469174" y="5304851"/>
             <a:ext cx="619346" cy="461665"/>
           </a:xfrm>
           <a:prstGeom prst="rect">
@@ -13096,7 +13096,7 @@
             </a:pPr>
             <a:r>
               <a:rPr lang="en-US" dirty="0"/>
-              <a:t>So … to be sure that everything makes sense let’s work through an example game</a:t>
+              <a:t>So to be sure that everything makes sense let’s work through a few example games.</a:t>
             </a:r>
           </a:p>
           <a:p>
@@ -13111,7 +13111,7 @@
             </a:pPr>
             <a:r>
               <a:rPr lang="en-US" dirty="0"/>
-              <a:t>Press the ”&lt;“ button to play the left bandit.</a:t>
+              <a:t>Press the LEFT BUTTON to play the left bandit.</a:t>
             </a:r>
           </a:p>
           <a:p>
@@ -13120,7 +13120,7 @@
             </a:pPr>
             <a:r>
               <a:rPr lang="en-US" dirty="0"/>
-              <a:t>Press the “&gt;” button to play the right bandit.</a:t>
+              <a:t>Press the RIGHT BUTTON to play the right bandit.</a:t>
             </a:r>
           </a:p>
         </p:txBody>
@@ -13508,8 +13508,8 @@
         </p:nvSpPr>
         <p:spPr>
           <a:xfrm>
-            <a:off x="457200" y="473173"/>
-            <a:ext cx="11214100" cy="1662164"/>
+            <a:off x="457200" y="860451"/>
+            <a:ext cx="11214100" cy="5013227"/>
           </a:xfrm>
           <a:ln>
             <a:noFill/>
@@ -13544,338 +13544,20 @@
               <a:t>Now you know how to play this game.</a:t>
             </a:r>
           </a:p>
-        </p:txBody>
-      </p:sp>
-      <p:sp>
-        <p:nvSpPr>
-          <p:cNvPr id="26" name="Title 3"/>
-          <p:cNvSpPr txBox="1">
-            <a:spLocks/>
-          </p:cNvSpPr>
-          <p:nvPr/>
-        </p:nvSpPr>
-        <p:spPr>
-          <a:xfrm>
-            <a:off x="1524000" y="6201295"/>
-            <a:ext cx="9149174" cy="656705"/>
-          </a:xfrm>
-          <a:prstGeom prst="rect">
-            <a:avLst/>
-          </a:prstGeom>
-        </p:spPr>
-        <p:txBody>
-          <a:bodyPr vert="horz" lIns="91440" tIns="45720" rIns="91440" bIns="45720" rtlCol="0" anchor="ctr">
-            <a:normAutofit/>
-          </a:bodyPr>
-          <a:lstStyle>
-            <a:lvl1pPr algn="ctr" defTabSz="914400" rtl="0" eaLnBrk="1" latinLnBrk="0" hangingPunct="1">
-              <a:spcBef>
-                <a:spcPct val="0"/>
-              </a:spcBef>
-              <a:buNone/>
-              <a:defRPr sz="4400" kern="1200">
-                <a:solidFill>
-                  <a:schemeClr val="tx1"/>
-                </a:solidFill>
-                <a:latin typeface="+mj-lt"/>
-                <a:ea typeface="+mj-ea"/>
-                <a:cs typeface="+mj-cs"/>
-              </a:defRPr>
-            </a:lvl1pPr>
-          </a:lstStyle>
-          <a:p>
-            <a:r>
-              <a:rPr lang="en-US" sz="3000" dirty="0">
-                <a:solidFill>
-                  <a:srgbClr val="FF0000"/>
-                </a:solidFill>
-              </a:rPr>
-              <a:t>PRESS THE RIGHT BUTTON TO CONTINUE</a:t>
-            </a:r>
-          </a:p>
-        </p:txBody>
-      </p:sp>
-      <p:sp>
-        <p:nvSpPr>
-          <p:cNvPr id="12" name="Subtitle 8"/>
-          <p:cNvSpPr txBox="1">
-            <a:spLocks/>
-          </p:cNvSpPr>
-          <p:nvPr/>
-        </p:nvSpPr>
-        <p:spPr>
-          <a:xfrm>
-            <a:off x="9140345" y="6073844"/>
-            <a:ext cx="1532830" cy="801636"/>
-          </a:xfrm>
-          <a:prstGeom prst="rect">
-            <a:avLst/>
-          </a:prstGeom>
-        </p:spPr>
-        <p:txBody>
-          <a:bodyPr vert="horz" lIns="91440" tIns="45720" rIns="91440" bIns="45720" rtlCol="0">
-            <a:normAutofit/>
-          </a:bodyPr>
-          <a:lstStyle>
-            <a:lvl1pPr marL="0" indent="0" algn="ctr" defTabSz="914400" rtl="0" eaLnBrk="1" latinLnBrk="0" hangingPunct="1">
-              <a:spcBef>
-                <a:spcPct val="20000"/>
-              </a:spcBef>
-              <a:buFont typeface="Arial" pitchFamily="34" charset="0"/>
-              <a:buNone/>
-              <a:defRPr sz="3200" kern="1200">
-                <a:solidFill>
-                  <a:schemeClr val="tx1">
-                    <a:tint val="75000"/>
-                  </a:schemeClr>
-                </a:solidFill>
-                <a:latin typeface="+mn-lt"/>
-                <a:ea typeface="+mn-ea"/>
-                <a:cs typeface="+mn-cs"/>
-              </a:defRPr>
-            </a:lvl1pPr>
-            <a:lvl2pPr marL="457200" indent="0" algn="ctr" defTabSz="914400" rtl="0" eaLnBrk="1" latinLnBrk="0" hangingPunct="1">
-              <a:spcBef>
-                <a:spcPct val="20000"/>
-              </a:spcBef>
-              <a:buFont typeface="Arial" pitchFamily="34" charset="0"/>
-              <a:buNone/>
-              <a:defRPr sz="2800" kern="1200">
-                <a:solidFill>
-                  <a:schemeClr val="tx1">
-                    <a:tint val="75000"/>
-                  </a:schemeClr>
-                </a:solidFill>
-                <a:latin typeface="+mn-lt"/>
-                <a:ea typeface="+mn-ea"/>
-                <a:cs typeface="+mn-cs"/>
-              </a:defRPr>
-            </a:lvl2pPr>
-            <a:lvl3pPr marL="914400" indent="0" algn="ctr" defTabSz="914400" rtl="0" eaLnBrk="1" latinLnBrk="0" hangingPunct="1">
-              <a:spcBef>
-                <a:spcPct val="20000"/>
-              </a:spcBef>
-              <a:buFont typeface="Arial" pitchFamily="34" charset="0"/>
-              <a:buNone/>
-              <a:defRPr sz="2400" kern="1200">
-                <a:solidFill>
-                  <a:schemeClr val="tx1">
-                    <a:tint val="75000"/>
-                  </a:schemeClr>
-                </a:solidFill>
-                <a:latin typeface="+mn-lt"/>
-                <a:ea typeface="+mn-ea"/>
-                <a:cs typeface="+mn-cs"/>
-              </a:defRPr>
-            </a:lvl3pPr>
-            <a:lvl4pPr marL="1371600" indent="0" algn="ctr" defTabSz="914400" rtl="0" eaLnBrk="1" latinLnBrk="0" hangingPunct="1">
-              <a:spcBef>
-                <a:spcPct val="20000"/>
-              </a:spcBef>
-              <a:buFont typeface="Arial" pitchFamily="34" charset="0"/>
-              <a:buNone/>
-              <a:defRPr sz="2000" kern="1200">
-                <a:solidFill>
-                  <a:schemeClr val="tx1">
-                    <a:tint val="75000"/>
-                  </a:schemeClr>
-                </a:solidFill>
-                <a:latin typeface="+mn-lt"/>
-                <a:ea typeface="+mn-ea"/>
-                <a:cs typeface="+mn-cs"/>
-              </a:defRPr>
-            </a:lvl4pPr>
-            <a:lvl5pPr marL="1828800" indent="0" algn="ctr" defTabSz="914400" rtl="0" eaLnBrk="1" latinLnBrk="0" hangingPunct="1">
-              <a:spcBef>
-                <a:spcPct val="20000"/>
-              </a:spcBef>
-              <a:buFont typeface="Arial" pitchFamily="34" charset="0"/>
-              <a:buNone/>
-              <a:defRPr sz="2000" kern="1200">
-                <a:solidFill>
-                  <a:schemeClr val="tx1">
-                    <a:tint val="75000"/>
-                  </a:schemeClr>
-                </a:solidFill>
-                <a:latin typeface="+mn-lt"/>
-                <a:ea typeface="+mn-ea"/>
-                <a:cs typeface="+mn-cs"/>
-              </a:defRPr>
-            </a:lvl5pPr>
-            <a:lvl6pPr marL="2286000" indent="0" algn="ctr" defTabSz="914400" rtl="0" eaLnBrk="1" latinLnBrk="0" hangingPunct="1">
-              <a:spcBef>
-                <a:spcPct val="20000"/>
-              </a:spcBef>
-              <a:buFont typeface="Arial" pitchFamily="34" charset="0"/>
-              <a:buNone/>
-              <a:defRPr sz="2000" kern="1200">
-                <a:solidFill>
-                  <a:schemeClr val="tx1">
-                    <a:tint val="75000"/>
-                  </a:schemeClr>
-                </a:solidFill>
-                <a:latin typeface="+mn-lt"/>
-                <a:ea typeface="+mn-ea"/>
-                <a:cs typeface="+mn-cs"/>
-              </a:defRPr>
-            </a:lvl6pPr>
-            <a:lvl7pPr marL="2743200" indent="0" algn="ctr" defTabSz="914400" rtl="0" eaLnBrk="1" latinLnBrk="0" hangingPunct="1">
-              <a:spcBef>
-                <a:spcPct val="20000"/>
-              </a:spcBef>
-              <a:buFont typeface="Arial" pitchFamily="34" charset="0"/>
-              <a:buNone/>
-              <a:defRPr sz="2000" kern="1200">
-                <a:solidFill>
-                  <a:schemeClr val="tx1">
-                    <a:tint val="75000"/>
-                  </a:schemeClr>
-                </a:solidFill>
-                <a:latin typeface="+mn-lt"/>
-                <a:ea typeface="+mn-ea"/>
-                <a:cs typeface="+mn-cs"/>
-              </a:defRPr>
-            </a:lvl7pPr>
-            <a:lvl8pPr marL="3200400" indent="0" algn="ctr" defTabSz="914400" rtl="0" eaLnBrk="1" latinLnBrk="0" hangingPunct="1">
-              <a:spcBef>
-                <a:spcPct val="20000"/>
-              </a:spcBef>
-              <a:buFont typeface="Arial" pitchFamily="34" charset="0"/>
-              <a:buNone/>
-              <a:defRPr sz="2000" kern="1200">
-                <a:solidFill>
-                  <a:schemeClr val="tx1">
-                    <a:tint val="75000"/>
-                  </a:schemeClr>
-                </a:solidFill>
-                <a:latin typeface="+mn-lt"/>
-                <a:ea typeface="+mn-ea"/>
-                <a:cs typeface="+mn-cs"/>
-              </a:defRPr>
-            </a:lvl8pPr>
-            <a:lvl9pPr marL="3657600" indent="0" algn="ctr" defTabSz="914400" rtl="0" eaLnBrk="1" latinLnBrk="0" hangingPunct="1">
-              <a:spcBef>
-                <a:spcPct val="20000"/>
-              </a:spcBef>
-              <a:buFont typeface="Arial" pitchFamily="34" charset="0"/>
-              <a:buNone/>
-              <a:defRPr sz="2000" kern="1200">
-                <a:solidFill>
-                  <a:schemeClr val="tx1">
-                    <a:tint val="75000"/>
-                  </a:schemeClr>
-                </a:solidFill>
-                <a:latin typeface="+mn-lt"/>
-                <a:ea typeface="+mn-ea"/>
-                <a:cs typeface="+mn-cs"/>
-              </a:defRPr>
-            </a:lvl9pPr>
-          </a:lstStyle>
-          <a:p>
-            <a:r>
-              <a:rPr lang="en-US" sz="1600" dirty="0">
-                <a:solidFill>
-                  <a:schemeClr val="tx1"/>
-                </a:solidFill>
-              </a:rPr>
-              <a:t>RIGHT</a:t>
-            </a:r>
-          </a:p>
-        </p:txBody>
-      </p:sp>
-      <p:sp>
-        <p:nvSpPr>
-          <p:cNvPr id="13" name="Right Arrow 12"/>
-          <p:cNvSpPr/>
-          <p:nvPr/>
-        </p:nvSpPr>
-        <p:spPr>
-          <a:xfrm>
-            <a:off x="9637318" y="6391827"/>
-            <a:ext cx="640200" cy="289763"/>
-          </a:xfrm>
-          <a:prstGeom prst="rightArrow">
-            <a:avLst/>
-          </a:prstGeom>
-          <a:solidFill>
-            <a:schemeClr val="tx1"/>
-          </a:solidFill>
-          <a:ln>
-            <a:noFill/>
-          </a:ln>
-        </p:spPr>
-        <p:style>
-          <a:lnRef idx="1">
-            <a:schemeClr val="accent1"/>
-          </a:lnRef>
-          <a:fillRef idx="3">
-            <a:schemeClr val="accent1"/>
-          </a:fillRef>
-          <a:effectRef idx="2">
-            <a:schemeClr val="accent1"/>
-          </a:effectRef>
-          <a:fontRef idx="minor">
-            <a:schemeClr val="lt1"/>
-          </a:fontRef>
-        </p:style>
-        <p:txBody>
-          <a:bodyPr rtlCol="0" anchor="ctr"/>
-          <a:lstStyle/>
-          <a:p>
-            <a:pPr algn="ctr"/>
-            <a:endParaRPr lang="en-US"/>
-          </a:p>
-        </p:txBody>
-      </p:sp>
-      <p:sp>
-        <p:nvSpPr>
-          <p:cNvPr id="22" name="Rectangle 21">
-            <a:extLst>
-              <a:ext uri="{FF2B5EF4-FFF2-40B4-BE49-F238E27FC236}">
-                <a16:creationId xmlns:a16="http://schemas.microsoft.com/office/drawing/2014/main" id="{8AE16CA7-6556-E645-8E2C-3B78486F4571}"/>
-              </a:ext>
-            </a:extLst>
-          </p:cNvPr>
-          <p:cNvSpPr/>
-          <p:nvPr/>
-        </p:nvSpPr>
-        <p:spPr>
-          <a:xfrm>
-            <a:off x="6502401" y="3255385"/>
-            <a:ext cx="495300" cy="279400"/>
-          </a:xfrm>
-          <a:prstGeom prst="rect">
-            <a:avLst/>
-          </a:prstGeom>
-          <a:solidFill>
-            <a:schemeClr val="bg1"/>
-          </a:solidFill>
-          <a:ln>
-            <a:noFill/>
-          </a:ln>
-        </p:spPr>
-        <p:style>
-          <a:lnRef idx="2">
-            <a:schemeClr val="accent1">
-              <a:shade val="50000"/>
-            </a:schemeClr>
-          </a:lnRef>
-          <a:fillRef idx="1">
-            <a:schemeClr val="accent1"/>
-          </a:fillRef>
-          <a:effectRef idx="0">
-            <a:schemeClr val="accent1"/>
-          </a:effectRef>
-          <a:fontRef idx="minor">
-            <a:schemeClr val="lt1"/>
-          </a:fontRef>
-        </p:style>
-        <p:txBody>
-          <a:bodyPr rtlCol="0" anchor="ctr"/>
-          <a:lstStyle/>
-          <a:p>
-            <a:pPr algn="ctr"/>
-            <a:endParaRPr lang="en-US"/>
+          <a:p>
+            <a:pPr marL="0" indent="0" algn="ctr">
+              <a:buNone/>
+            </a:pPr>
+            <a:endParaRPr lang="en-US" dirty="0"/>
+          </a:p>
+          <a:p>
+            <a:pPr marL="0" indent="0" algn="ctr">
+              <a:buNone/>
+            </a:pPr>
+            <a:r>
+              <a:rPr lang="en-US" dirty="0"/>
+              <a:t>Once you are ready to start playing the  actual game to win points, please press the RIGHT BUTTON.</a:t>
+            </a:r>
           </a:p>
         </p:txBody>
       </p:sp>
@@ -14411,7 +14093,7 @@
             </a:pPr>
             <a:r>
               <a:rPr lang="en-US" dirty="0"/>
-              <a:t>Every time you choose to play a particular bandit, the lever will be pulled like this:</a:t>
+              <a:t>Every time you choose to play a particular bandit, the lever will be pulled down. For example, if  you chose the left bandit, it would look like this:</a:t>
             </a:r>
           </a:p>
         </p:txBody>
@@ -14874,8 +14556,8 @@
               <a:buNone/>
             </a:pPr>
             <a:r>
-              <a:rPr lang="en-US" dirty="0"/>
-              <a:t>And the payoff will be shown like this. For Example in this case, the left band has been played and is paying out 77 points.</a:t>
+              <a:rPr lang="en-US" sz="2800" dirty="0"/>
+              <a:t>The points you win will be shown like this. For example, in this case the left bandit was chosen and gave 77 points. XXs will be shown for the bandit that wasn’t chosen. So you will not know how many points you would have won if you chose the other bandit instead.</a:t>
             </a:r>
           </a:p>
         </p:txBody>
@@ -15158,76 +14840,6 @@
           <a:p>
             <a:pPr algn="ctr"/>
             <a:endParaRPr lang="en-US"/>
-          </a:p>
-        </p:txBody>
-      </p:sp>
-      <p:sp>
-        <p:nvSpPr>
-          <p:cNvPr id="2" name="TextBox 1">
-            <a:extLst>
-              <a:ext uri="{FF2B5EF4-FFF2-40B4-BE49-F238E27FC236}">
-                <a16:creationId xmlns:a16="http://schemas.microsoft.com/office/drawing/2014/main" id="{8A359777-E360-5148-9CDF-BE1F079D8C1D}"/>
-              </a:ext>
-            </a:extLst>
-          </p:cNvPr>
-          <p:cNvSpPr txBox="1"/>
-          <p:nvPr/>
-        </p:nvSpPr>
-        <p:spPr>
-          <a:xfrm>
-            <a:off x="5295753" y="2603500"/>
-            <a:ext cx="495300" cy="461665"/>
-          </a:xfrm>
-          <a:prstGeom prst="rect">
-            <a:avLst/>
-          </a:prstGeom>
-          <a:noFill/>
-        </p:spPr>
-        <p:txBody>
-          <a:bodyPr wrap="square" rtlCol="0">
-            <a:spAutoFit/>
-          </a:bodyPr>
-          <a:lstStyle/>
-          <a:p>
-            <a:r>
-              <a:rPr lang="en-US" sz="2400" dirty="0"/>
-              <a:t>77</a:t>
-            </a:r>
-          </a:p>
-        </p:txBody>
-      </p:sp>
-      <p:sp>
-        <p:nvSpPr>
-          <p:cNvPr id="8" name="TextBox 7">
-            <a:extLst>
-              <a:ext uri="{FF2B5EF4-FFF2-40B4-BE49-F238E27FC236}">
-                <a16:creationId xmlns:a16="http://schemas.microsoft.com/office/drawing/2014/main" id="{28092C75-34C5-924C-8FCD-BA7E91514CD6}"/>
-              </a:ext>
-            </a:extLst>
-          </p:cNvPr>
-          <p:cNvSpPr txBox="1"/>
-          <p:nvPr/>
-        </p:nvSpPr>
-        <p:spPr>
-          <a:xfrm>
-            <a:off x="6492654" y="2603500"/>
-            <a:ext cx="619346" cy="461665"/>
-          </a:xfrm>
-          <a:prstGeom prst="rect">
-            <a:avLst/>
-          </a:prstGeom>
-          <a:noFill/>
-        </p:spPr>
-        <p:txBody>
-          <a:bodyPr wrap="square" rtlCol="0">
-            <a:spAutoFit/>
-          </a:bodyPr>
-          <a:lstStyle/>
-          <a:p>
-            <a:r>
-              <a:rPr lang="en-US" sz="2400" dirty="0"/>
-              <a:t>XX</a:t>
-            </a:r>
           </a:p>
         </p:txBody>
       </p:sp>
@@ -15280,6 +14892,76 @@
           <a:p>
             <a:pPr algn="ctr"/>
             <a:endParaRPr lang="en-US"/>
+          </a:p>
+        </p:txBody>
+      </p:sp>
+      <p:sp>
+        <p:nvSpPr>
+          <p:cNvPr id="2" name="TextBox 1">
+            <a:extLst>
+              <a:ext uri="{FF2B5EF4-FFF2-40B4-BE49-F238E27FC236}">
+                <a16:creationId xmlns:a16="http://schemas.microsoft.com/office/drawing/2014/main" id="{8A359777-E360-5148-9CDF-BE1F079D8C1D}"/>
+              </a:ext>
+            </a:extLst>
+          </p:cNvPr>
+          <p:cNvSpPr txBox="1"/>
+          <p:nvPr/>
+        </p:nvSpPr>
+        <p:spPr>
+          <a:xfrm>
+            <a:off x="5295753" y="2928964"/>
+            <a:ext cx="495300" cy="461665"/>
+          </a:xfrm>
+          <a:prstGeom prst="rect">
+            <a:avLst/>
+          </a:prstGeom>
+          <a:noFill/>
+        </p:spPr>
+        <p:txBody>
+          <a:bodyPr wrap="square" rtlCol="0">
+            <a:spAutoFit/>
+          </a:bodyPr>
+          <a:lstStyle/>
+          <a:p>
+            <a:r>
+              <a:rPr lang="en-US" sz="2400" dirty="0"/>
+              <a:t>77</a:t>
+            </a:r>
+          </a:p>
+        </p:txBody>
+      </p:sp>
+      <p:sp>
+        <p:nvSpPr>
+          <p:cNvPr id="8" name="TextBox 7">
+            <a:extLst>
+              <a:ext uri="{FF2B5EF4-FFF2-40B4-BE49-F238E27FC236}">
+                <a16:creationId xmlns:a16="http://schemas.microsoft.com/office/drawing/2014/main" id="{28092C75-34C5-924C-8FCD-BA7E91514CD6}"/>
+              </a:ext>
+            </a:extLst>
+          </p:cNvPr>
+          <p:cNvSpPr txBox="1"/>
+          <p:nvPr/>
+        </p:nvSpPr>
+        <p:spPr>
+          <a:xfrm>
+            <a:off x="6492654" y="2928964"/>
+            <a:ext cx="619346" cy="461665"/>
+          </a:xfrm>
+          <a:prstGeom prst="rect">
+            <a:avLst/>
+          </a:prstGeom>
+          <a:noFill/>
+        </p:spPr>
+        <p:txBody>
+          <a:bodyPr wrap="square" rtlCol="0">
+            <a:spAutoFit/>
+          </a:bodyPr>
+          <a:lstStyle/>
+          <a:p>
+            <a:r>
+              <a:rPr lang="en-US" sz="2400" dirty="0"/>
+              <a:t>XX</a:t>
+            </a:r>
           </a:p>
         </p:txBody>
       </p:sp>
@@ -15321,35 +15003,6 @@
           <a:chExt cx="0" cy="0"/>
         </a:xfrm>
       </p:grpSpPr>
-      <p:pic>
-        <p:nvPicPr>
-          <p:cNvPr id="6" name="Picture 5" descr="A picture containing object, clock, drawing&#10;&#10;Description automatically generated">
-            <a:extLst>
-              <a:ext uri="{FF2B5EF4-FFF2-40B4-BE49-F238E27FC236}">
-                <a16:creationId xmlns:a16="http://schemas.microsoft.com/office/drawing/2014/main" id="{D80F3CF3-B978-5D47-828B-B7681D3127C1}"/>
-              </a:ext>
-            </a:extLst>
-          </p:cNvPr>
-          <p:cNvPicPr>
-            <a:picLocks noChangeAspect="1"/>
-          </p:cNvPicPr>
-          <p:nvPr/>
-        </p:nvPicPr>
-        <p:blipFill rotWithShape="1">
-          <a:blip r:embed="rId3"/>
-          <a:srcRect l="28021" t="5209" r="28750" b="41148"/>
-          <a:stretch/>
-        </p:blipFill>
-        <p:spPr>
-          <a:xfrm>
-            <a:off x="3460749" y="2152817"/>
-            <a:ext cx="5270500" cy="3540027"/>
-          </a:xfrm>
-          <a:prstGeom prst="rect">
-            <a:avLst/>
-          </a:prstGeom>
-        </p:spPr>
-      </p:pic>
       <p:sp>
         <p:nvSpPr>
           <p:cNvPr id="3" name="Content Placeholder 2"/>
@@ -15666,82 +15319,41 @@
           </a:p>
         </p:txBody>
       </p:sp>
-      <p:sp>
-        <p:nvSpPr>
-          <p:cNvPr id="2" name="TextBox 1">
+      <p:pic>
+        <p:nvPicPr>
+          <p:cNvPr id="10" name="Picture 9" descr="A picture containing object, clock, drawing&#10;&#10;Description automatically generated">
             <a:extLst>
               <a:ext uri="{FF2B5EF4-FFF2-40B4-BE49-F238E27FC236}">
-                <a16:creationId xmlns:a16="http://schemas.microsoft.com/office/drawing/2014/main" id="{8A359777-E360-5148-9CDF-BE1F079D8C1D}"/>
+                <a16:creationId xmlns:a16="http://schemas.microsoft.com/office/drawing/2014/main" id="{FED5138D-AE2A-FB4F-AFA9-D6ED24B67265}"/>
               </a:ext>
             </a:extLst>
           </p:cNvPr>
-          <p:cNvSpPr txBox="1"/>
+          <p:cNvPicPr>
+            <a:picLocks noChangeAspect="1"/>
+          </p:cNvPicPr>
           <p:nvPr/>
-        </p:nvSpPr>
-        <p:spPr>
-          <a:xfrm>
-            <a:off x="5295753" y="2603500"/>
-            <a:ext cx="495300" cy="461665"/>
+        </p:nvPicPr>
+        <p:blipFill rotWithShape="1">
+          <a:blip r:embed="rId3"/>
+          <a:srcRect l="28021" t="5209" r="28750" b="41148"/>
+          <a:stretch/>
+        </p:blipFill>
+        <p:spPr>
+          <a:xfrm>
+            <a:off x="3460749" y="2152817"/>
+            <a:ext cx="5270500" cy="3540027"/>
           </a:xfrm>
           <a:prstGeom prst="rect">
             <a:avLst/>
           </a:prstGeom>
-          <a:noFill/>
-        </p:spPr>
-        <p:txBody>
-          <a:bodyPr wrap="square" rtlCol="0">
-            <a:spAutoFit/>
-          </a:bodyPr>
-          <a:lstStyle/>
-          <a:p>
-            <a:r>
-              <a:rPr lang="en-US" sz="2400" dirty="0"/>
-              <a:t>77</a:t>
-            </a:r>
-          </a:p>
-        </p:txBody>
-      </p:sp>
-      <p:sp>
-        <p:nvSpPr>
-          <p:cNvPr id="8" name="TextBox 7">
+        </p:spPr>
+      </p:pic>
+      <p:sp>
+        <p:nvSpPr>
+          <p:cNvPr id="11" name="Rectangle 10">
             <a:extLst>
               <a:ext uri="{FF2B5EF4-FFF2-40B4-BE49-F238E27FC236}">
-                <a16:creationId xmlns:a16="http://schemas.microsoft.com/office/drawing/2014/main" id="{28092C75-34C5-924C-8FCD-BA7E91514CD6}"/>
-              </a:ext>
-            </a:extLst>
-          </p:cNvPr>
-          <p:cNvSpPr txBox="1"/>
-          <p:nvPr/>
-        </p:nvSpPr>
-        <p:spPr>
-          <a:xfrm>
-            <a:off x="6502400" y="2603500"/>
-            <a:ext cx="619346" cy="461665"/>
-          </a:xfrm>
-          <a:prstGeom prst="rect">
-            <a:avLst/>
-          </a:prstGeom>
-          <a:noFill/>
-        </p:spPr>
-        <p:txBody>
-          <a:bodyPr wrap="square" rtlCol="0">
-            <a:spAutoFit/>
-          </a:bodyPr>
-          <a:lstStyle/>
-          <a:p>
-            <a:r>
-              <a:rPr lang="en-US" sz="2400" dirty="0"/>
-              <a:t>XX</a:t>
-            </a:r>
-          </a:p>
-        </p:txBody>
-      </p:sp>
-      <p:sp>
-        <p:nvSpPr>
-          <p:cNvPr id="9" name="Rectangle 8">
-            <a:extLst>
-              <a:ext uri="{FF2B5EF4-FFF2-40B4-BE49-F238E27FC236}">
-                <a16:creationId xmlns:a16="http://schemas.microsoft.com/office/drawing/2014/main" id="{5335C5FD-C99D-9840-B91C-F707262D964C}"/>
+                <a16:creationId xmlns:a16="http://schemas.microsoft.com/office/drawing/2014/main" id="{CDE7477D-D8EA-C841-AD43-E266DE2F6629}"/>
               </a:ext>
             </a:extLst>
           </p:cNvPr>
@@ -15785,6 +15397,76 @@
           <a:p>
             <a:pPr algn="ctr"/>
             <a:endParaRPr lang="en-US"/>
+          </a:p>
+        </p:txBody>
+      </p:sp>
+      <p:sp>
+        <p:nvSpPr>
+          <p:cNvPr id="14" name="TextBox 13">
+            <a:extLst>
+              <a:ext uri="{FF2B5EF4-FFF2-40B4-BE49-F238E27FC236}">
+                <a16:creationId xmlns:a16="http://schemas.microsoft.com/office/drawing/2014/main" id="{41B726F4-8A66-9046-820A-10A0CA44C303}"/>
+              </a:ext>
+            </a:extLst>
+          </p:cNvPr>
+          <p:cNvSpPr txBox="1"/>
+          <p:nvPr/>
+        </p:nvSpPr>
+        <p:spPr>
+          <a:xfrm>
+            <a:off x="5295753" y="2928964"/>
+            <a:ext cx="495300" cy="461665"/>
+          </a:xfrm>
+          <a:prstGeom prst="rect">
+            <a:avLst/>
+          </a:prstGeom>
+          <a:noFill/>
+        </p:spPr>
+        <p:txBody>
+          <a:bodyPr wrap="square" rtlCol="0">
+            <a:spAutoFit/>
+          </a:bodyPr>
+          <a:lstStyle/>
+          <a:p>
+            <a:r>
+              <a:rPr lang="en-US" sz="2400" dirty="0"/>
+              <a:t>77</a:t>
+            </a:r>
+          </a:p>
+        </p:txBody>
+      </p:sp>
+      <p:sp>
+        <p:nvSpPr>
+          <p:cNvPr id="15" name="TextBox 14">
+            <a:extLst>
+              <a:ext uri="{FF2B5EF4-FFF2-40B4-BE49-F238E27FC236}">
+                <a16:creationId xmlns:a16="http://schemas.microsoft.com/office/drawing/2014/main" id="{A2671CCB-A97D-C24A-9BB1-C6DC5DC73FC5}"/>
+              </a:ext>
+            </a:extLst>
+          </p:cNvPr>
+          <p:cNvSpPr txBox="1"/>
+          <p:nvPr/>
+        </p:nvSpPr>
+        <p:spPr>
+          <a:xfrm>
+            <a:off x="6492654" y="2928964"/>
+            <a:ext cx="619346" cy="461665"/>
+          </a:xfrm>
+          <a:prstGeom prst="rect">
+            <a:avLst/>
+          </a:prstGeom>
+          <a:noFill/>
+        </p:spPr>
+        <p:txBody>
+          <a:bodyPr wrap="square" rtlCol="0">
+            <a:spAutoFit/>
+          </a:bodyPr>
+          <a:lstStyle/>
+          <a:p>
+            <a:r>
+              <a:rPr lang="en-US" sz="2400" dirty="0"/>
+              <a:t>XX</a:t>
+            </a:r>
           </a:p>
         </p:txBody>
       </p:sp>
@@ -15885,7 +15567,7 @@
             </a:pPr>
             <a:r>
               <a:rPr lang="en-US" dirty="0"/>
-              <a:t>During one game, each bandit tends to pay out about the same amount on average, but there is variability in the reward on any given play.</a:t>
+              <a:t>During one game, a bandit will tend to pay out about the same amount on average, but there is variability in the reward on any given choice. </a:t>
             </a:r>
           </a:p>
         </p:txBody>
@@ -16672,7 +16354,7 @@
         </p:nvSpPr>
         <p:spPr>
           <a:xfrm>
-            <a:off x="5295754" y="2851028"/>
+            <a:off x="5295754" y="3160993"/>
             <a:ext cx="619346" cy="461665"/>
           </a:xfrm>
           <a:prstGeom prst="rect">
@@ -16707,7 +16389,7 @@
         </p:nvSpPr>
         <p:spPr>
           <a:xfrm>
-            <a:off x="6502401" y="2851028"/>
+            <a:off x="6502401" y="3160993"/>
             <a:ext cx="619346" cy="461665"/>
           </a:xfrm>
           <a:prstGeom prst="rect">
@@ -17177,7 +16859,7 @@
         </p:nvSpPr>
         <p:spPr>
           <a:xfrm>
-            <a:off x="5295754" y="2851028"/>
+            <a:off x="5295754" y="3160993"/>
             <a:ext cx="619346" cy="461665"/>
           </a:xfrm>
           <a:prstGeom prst="rect">
@@ -17212,7 +16894,7 @@
         </p:nvSpPr>
         <p:spPr>
           <a:xfrm>
-            <a:off x="6502401" y="2851028"/>
+            <a:off x="6502401" y="3160993"/>
             <a:ext cx="619346" cy="461665"/>
           </a:xfrm>
           <a:prstGeom prst="rect">
@@ -17247,7 +16929,7 @@
         </p:nvSpPr>
         <p:spPr>
           <a:xfrm>
-            <a:off x="6502401" y="3192907"/>
+            <a:off x="6502401" y="3502872"/>
             <a:ext cx="619346" cy="461665"/>
           </a:xfrm>
           <a:prstGeom prst="rect">
@@ -17282,7 +16964,7 @@
         </p:nvSpPr>
         <p:spPr>
           <a:xfrm>
-            <a:off x="5295754" y="3192907"/>
+            <a:off x="5295754" y="3502872"/>
             <a:ext cx="619346" cy="461665"/>
           </a:xfrm>
           <a:prstGeom prst="rect">

--- a/public/js/tasks/horizon/media/horizonInstructions.pptx
+++ b/public/js/tasks/horizon/media/horizonInstructions.pptx
@@ -229,7 +229,7 @@
           <a:p>
             <a:fld id="{5ACDFB13-8C7E-2148-B293-047F9641DD71}" type="datetimeFigureOut">
               <a:rPr lang="en-US" smtClean="0"/>
-              <a:t>7/20/20</a:t>
+              <a:t>7/27/20</a:t>
             </a:fld>
             <a:endParaRPr lang="en-US" dirty="0"/>
           </a:p>
@@ -2809,7 +2809,7 @@
           <a:p>
             <a:fld id="{E69A4D3A-6EF8-7448-AC6F-AD52FEDAA6A8}" type="datetimeFigureOut">
               <a:rPr lang="en-US" smtClean="0"/>
-              <a:t>7/20/20</a:t>
+              <a:t>7/27/20</a:t>
             </a:fld>
             <a:endParaRPr lang="en-US" dirty="0"/>
           </a:p>
@@ -2977,7 +2977,7 @@
           <a:p>
             <a:fld id="{E69A4D3A-6EF8-7448-AC6F-AD52FEDAA6A8}" type="datetimeFigureOut">
               <a:rPr lang="en-US" smtClean="0"/>
-              <a:t>7/20/20</a:t>
+              <a:t>7/27/20</a:t>
             </a:fld>
             <a:endParaRPr lang="en-US" dirty="0"/>
           </a:p>
@@ -3155,7 +3155,7 @@
           <a:p>
             <a:fld id="{E69A4D3A-6EF8-7448-AC6F-AD52FEDAA6A8}" type="datetimeFigureOut">
               <a:rPr lang="en-US" smtClean="0"/>
-              <a:t>7/20/20</a:t>
+              <a:t>7/27/20</a:t>
             </a:fld>
             <a:endParaRPr lang="en-US" dirty="0"/>
           </a:p>
@@ -3323,7 +3323,7 @@
           <a:p>
             <a:fld id="{E69A4D3A-6EF8-7448-AC6F-AD52FEDAA6A8}" type="datetimeFigureOut">
               <a:rPr lang="en-US" smtClean="0"/>
-              <a:t>7/20/20</a:t>
+              <a:t>7/27/20</a:t>
             </a:fld>
             <a:endParaRPr lang="en-US" dirty="0"/>
           </a:p>
@@ -3568,7 +3568,7 @@
           <a:p>
             <a:fld id="{E69A4D3A-6EF8-7448-AC6F-AD52FEDAA6A8}" type="datetimeFigureOut">
               <a:rPr lang="en-US" smtClean="0"/>
-              <a:t>7/20/20</a:t>
+              <a:t>7/27/20</a:t>
             </a:fld>
             <a:endParaRPr lang="en-US" dirty="0"/>
           </a:p>
@@ -3853,7 +3853,7 @@
           <a:p>
             <a:fld id="{E69A4D3A-6EF8-7448-AC6F-AD52FEDAA6A8}" type="datetimeFigureOut">
               <a:rPr lang="en-US" smtClean="0"/>
-              <a:t>7/20/20</a:t>
+              <a:t>7/27/20</a:t>
             </a:fld>
             <a:endParaRPr lang="en-US" dirty="0"/>
           </a:p>
@@ -4272,7 +4272,7 @@
           <a:p>
             <a:fld id="{E69A4D3A-6EF8-7448-AC6F-AD52FEDAA6A8}" type="datetimeFigureOut">
               <a:rPr lang="en-US" smtClean="0"/>
-              <a:t>7/20/20</a:t>
+              <a:t>7/27/20</a:t>
             </a:fld>
             <a:endParaRPr lang="en-US" dirty="0"/>
           </a:p>
@@ -4389,7 +4389,7 @@
           <a:p>
             <a:fld id="{E69A4D3A-6EF8-7448-AC6F-AD52FEDAA6A8}" type="datetimeFigureOut">
               <a:rPr lang="en-US" smtClean="0"/>
-              <a:t>7/20/20</a:t>
+              <a:t>7/27/20</a:t>
             </a:fld>
             <a:endParaRPr lang="en-US" dirty="0"/>
           </a:p>
@@ -4484,7 +4484,7 @@
           <a:p>
             <a:fld id="{E69A4D3A-6EF8-7448-AC6F-AD52FEDAA6A8}" type="datetimeFigureOut">
               <a:rPr lang="en-US" smtClean="0"/>
-              <a:t>7/20/20</a:t>
+              <a:t>7/27/20</a:t>
             </a:fld>
             <a:endParaRPr lang="en-US" dirty="0"/>
           </a:p>
@@ -4759,7 +4759,7 @@
           <a:p>
             <a:fld id="{E69A4D3A-6EF8-7448-AC6F-AD52FEDAA6A8}" type="datetimeFigureOut">
               <a:rPr lang="en-US" smtClean="0"/>
-              <a:t>7/20/20</a:t>
+              <a:t>7/27/20</a:t>
             </a:fld>
             <a:endParaRPr lang="en-US" dirty="0"/>
           </a:p>
@@ -5014,7 +5014,7 @@
           <a:p>
             <a:fld id="{E69A4D3A-6EF8-7448-AC6F-AD52FEDAA6A8}" type="datetimeFigureOut">
               <a:rPr lang="en-US" smtClean="0"/>
-              <a:t>7/20/20</a:t>
+              <a:t>7/27/20</a:t>
             </a:fld>
             <a:endParaRPr lang="en-US" dirty="0"/>
           </a:p>
@@ -5228,7 +5228,7 @@
           <a:p>
             <a:fld id="{E69A4D3A-6EF8-7448-AC6F-AD52FEDAA6A8}" type="datetimeFigureOut">
               <a:rPr lang="en-US" smtClean="0"/>
-              <a:t>7/20/20</a:t>
+              <a:t>7/27/20</a:t>
             </a:fld>
             <a:endParaRPr lang="en-US" dirty="0"/>
           </a:p>
@@ -6701,7 +6701,7 @@
             </a:pPr>
             <a:r>
               <a:rPr lang="en-US" dirty="0"/>
-              <a:t>And so on, such that if we were to play the right bandit 5 times in a row we might see these rewards.</a:t>
+              <a:t>And so on, such that if we were to play the right slot machine 5 times in a row we might see these rewards.</a:t>
             </a:r>
           </a:p>
         </p:txBody>
@@ -7457,7 +7457,7 @@
             </a:pPr>
             <a:r>
               <a:rPr lang="en-US" dirty="0"/>
-              <a:t>Both bandits will have the same kind of variability, and this variability will stay constant throughout the experiment.</a:t>
+              <a:t>Both slot machines will have the same kind of variability, and this variability will stay constant throughout the experiment.</a:t>
             </a:r>
           </a:p>
         </p:txBody>
@@ -8172,7 +8172,7 @@
             </a:pPr>
             <a:r>
               <a:rPr lang="en-US" dirty="0"/>
-              <a:t>During each game, one of the bandits will always have a higher average reward and hence is the better option to choose on average. However, the same bandit will not always be best for all games.</a:t>
+              <a:t>During each game, one of the slot machines will always have a higher average reward and hence is the better option to choose on average. However, the same slot machine will not always be best for all games.</a:t>
             </a:r>
           </a:p>
         </p:txBody>
@@ -8896,7 +8896,7 @@
             </a:pPr>
             <a:r>
               <a:rPr lang="en-US" dirty="0"/>
-              <a:t>Press the LEFT BUTTON to play the left bandit.</a:t>
+              <a:t>Press the LEFT BUTTON to play the left slot machine.</a:t>
             </a:r>
           </a:p>
           <a:p>
@@ -8905,7 +8905,7 @@
             </a:pPr>
             <a:r>
               <a:rPr lang="en-US" dirty="0"/>
-              <a:t>Press the RIGHT BUTTON to play the right bandit.</a:t>
+              <a:t>Press the RIGHT BUTTON to play the right slot machine.</a:t>
             </a:r>
           </a:p>
         </p:txBody>
@@ -9369,7 +9369,7 @@
             </a:pPr>
             <a:r>
               <a:rPr lang="en-US" dirty="0"/>
-              <a:t>On any trial you can only play one bandit and the number of trials in each game is determined by the height of the bandits. For example, when the bandits are 10 boxes high, there are 10 trials in each game.</a:t>
+              <a:t>On any trial you can only play one slot machine and the number of trials in each game is determined by the height of the slot machine. For example, when the slot machines are 10 boxes high, there are 10 trials in each game.</a:t>
             </a:r>
           </a:p>
         </p:txBody>
@@ -10239,7 +10239,7 @@
             </a:pPr>
             <a:r>
               <a:rPr lang="en-US" dirty="0"/>
-              <a:t>In addition, the first 4 choices in each game are instructed trials where we will choose an option for you. This will give you some experience with each option before you make your first choice between the two bandits.</a:t>
+              <a:t>In addition, the first 4 choices in each game are instructed trials where we will choose an option for you. This will give you some experience with each option before you make your first choice between the two slot machines.</a:t>
             </a:r>
           </a:p>
         </p:txBody>
@@ -10778,7 +10778,7 @@
             </a:pPr>
             <a:r>
               <a:rPr lang="en-US" dirty="0"/>
-              <a:t>These instructed trials will be indicated by a green square inside the box we want you to open. You must press the button to choose this option in order to see the reward and move on to the next trial. </a:t>
+              <a:t>These instructed trials will be indicated by a red square inside the box we want you to open. You must press the button to choose this option in order to see the reward and move on to the next trial. </a:t>
             </a:r>
           </a:p>
           <a:p>
@@ -11152,7 +11152,7 @@
             <a:avLst/>
           </a:prstGeom>
           <a:solidFill>
-            <a:srgbClr val="00B050"/>
+            <a:srgbClr val="FF0000"/>
           </a:solidFill>
           <a:ln>
             <a:noFill/>
@@ -11639,7 +11639,7 @@
             <a:avLst/>
           </a:prstGeom>
           <a:solidFill>
-            <a:srgbClr val="00B050"/>
+            <a:srgbClr val="FF0000"/>
           </a:solidFill>
           <a:ln>
             <a:noFill/>
@@ -11899,7 +11899,7 @@
             </a:pPr>
             <a:r>
               <a:rPr lang="en-US" dirty="0"/>
-              <a:t>In this experiment, we would like you to choose between 2 one-armed bandits of the sort you might find in a casino.</a:t>
+              <a:t>In this experiment, we would like you to choose between 2 slot machines of the sort you might find in a casino.</a:t>
             </a:r>
           </a:p>
           <a:p>
@@ -13111,7 +13111,7 @@
             </a:pPr>
             <a:r>
               <a:rPr lang="en-US" dirty="0"/>
-              <a:t>Press the LEFT BUTTON to play the left bandit.</a:t>
+              <a:t>Press the LEFT BUTTON to play the left slot machine.</a:t>
             </a:r>
           </a:p>
           <a:p>
@@ -13120,7 +13120,7 @@
             </a:pPr>
             <a:r>
               <a:rPr lang="en-US" dirty="0"/>
-              <a:t>Press the RIGHT BUTTON to play the right bandit.</a:t>
+              <a:t>Press the RIGHT BUTTON to play the right machine.</a:t>
             </a:r>
           </a:p>
         </p:txBody>
@@ -13658,7 +13658,7 @@
             </a:pPr>
             <a:r>
               <a:rPr lang="en-US" dirty="0"/>
-              <a:t>The one-armed bandits will be represented like this:</a:t>
+              <a:t>The slot machines bandits will be represented like this:</a:t>
             </a:r>
           </a:p>
         </p:txBody>
@@ -14093,7 +14093,7 @@
             </a:pPr>
             <a:r>
               <a:rPr lang="en-US" dirty="0"/>
-              <a:t>Every time you choose to play a particular bandit, the lever will be pulled down. For example, if  you chose the left bandit, it would look like this:</a:t>
+              <a:t>Every time you choose to play a particular slot machine, the lever will be pulled down. For example, if  you chose the left slot machine, it would look like this:</a:t>
             </a:r>
           </a:p>
         </p:txBody>
@@ -14557,7 +14557,7 @@
             </a:pPr>
             <a:r>
               <a:rPr lang="en-US" sz="2800" dirty="0"/>
-              <a:t>The points you win will be shown like this. For example, in this case the left bandit was chosen and gave 77 points. XXs will be shown for the bandit that wasn’t chosen. So you will not know how many points you would have won if you chose the other bandit instead.</a:t>
+              <a:t>The points you win will be shown like this. For example, in this case the left slot machine was chosen and gave 77 points. XXs will be shown for the bandit that wasn’t chosen. So you will not know how many points you would have won if you chose the other slot machine instead.</a:t>
             </a:r>
           </a:p>
         </p:txBody>
@@ -15567,7 +15567,7 @@
             </a:pPr>
             <a:r>
               <a:rPr lang="en-US" dirty="0"/>
-              <a:t>During one game, a bandit will tend to pay out about the same amount on average, but there is variability in the reward on any given choice. </a:t>
+              <a:t>During one game, a slot machine will tend to pay out about the same amount on average, but there is variability in the reward on any given choice. </a:t>
             </a:r>
           </a:p>
         </p:txBody>
@@ -16002,7 +16002,7 @@
             </a:pPr>
             <a:r>
               <a:rPr lang="en-US" dirty="0"/>
-              <a:t>For example, the average reward for the bandit on the right might be 50 points, but on the first play we might see a reward of 52 points because of the variability.</a:t>
+              <a:t>For example, the average reward for the slot machine on the right might be 50 points, but on the first play we might see a reward of 52 points because of the variability.</a:t>
             </a:r>
           </a:p>
         </p:txBody>
